--- a/Assets/Ilustrations/Instruction Level.pptx
+++ b/Assets/Ilustrations/Instruction Level.pptx
@@ -3763,6 +3763,60 @@
           <a:chExt cx="0" cy="0"/>
         </a:xfrm>
       </p:grpSpPr>
+      <p:sp>
+        <p:nvSpPr>
+          <p:cNvPr id="3" name="Rectangle 2">
+            <a:extLst>
+              <a:ext uri="{FF2B5EF4-FFF2-40B4-BE49-F238E27FC236}">
+                <a16:creationId xmlns:a16="http://schemas.microsoft.com/office/drawing/2014/main" id="{45DB43C8-8AFB-473B-5A9C-DF963CA50D00}"/>
+              </a:ext>
+            </a:extLst>
+          </p:cNvPr>
+          <p:cNvSpPr/>
+          <p:nvPr/>
+        </p:nvSpPr>
+        <p:spPr>
+          <a:xfrm>
+            <a:off x="3355130" y="4842330"/>
+            <a:ext cx="5961863" cy="2015670"/>
+          </a:xfrm>
+          <a:prstGeom prst="rect">
+            <a:avLst/>
+          </a:prstGeom>
+          <a:solidFill>
+            <a:srgbClr val="92D050">
+              <a:alpha val="15000"/>
+            </a:srgbClr>
+          </a:solidFill>
+          <a:ln>
+            <a:noFill/>
+          </a:ln>
+        </p:spPr>
+        <p:style>
+          <a:lnRef idx="2">
+            <a:schemeClr val="accent1">
+              <a:shade val="50000"/>
+            </a:schemeClr>
+          </a:lnRef>
+          <a:fillRef idx="1">
+            <a:schemeClr val="accent1"/>
+          </a:fillRef>
+          <a:effectRef idx="0">
+            <a:schemeClr val="accent1"/>
+          </a:effectRef>
+          <a:fontRef idx="minor">
+            <a:schemeClr val="lt1"/>
+          </a:fontRef>
+        </p:style>
+        <p:txBody>
+          <a:bodyPr rtlCol="0" anchor="ctr"/>
+          <a:lstStyle/>
+          <a:p>
+            <a:pPr algn="ctr"/>
+            <a:endParaRPr lang="en-US" dirty="0"/>
+          </a:p>
+        </p:txBody>
+      </p:sp>
       <p:cxnSp>
         <p:nvCxnSpPr>
           <p:cNvPr id="33" name="Straight Connector 32">
@@ -3945,7 +3999,7 @@
           <a:p>
             <a:pPr algn="ctr"/>
             <a:r>
-              <a:rPr lang="en-US" dirty="0"/>
+              <a:rPr lang="en-US" b="1" dirty="0"/>
               <a:t>Software</a:t>
             </a:r>
           </a:p>
@@ -3988,7 +4042,7 @@
           <a:p>
             <a:pPr algn="ctr"/>
             <a:r>
-              <a:rPr lang="en-US" dirty="0"/>
+              <a:rPr lang="en-US" b="1" dirty="0"/>
               <a:t>Program</a:t>
             </a:r>
           </a:p>
@@ -4031,7 +4085,7 @@
           <a:p>
             <a:pPr algn="ctr"/>
             <a:r>
-              <a:rPr lang="en-US" dirty="0"/>
+              <a:rPr lang="en-US" b="1" dirty="0"/>
               <a:t>Instructions</a:t>
             </a:r>
           </a:p>
@@ -4230,7 +4284,7 @@
         </p:nvSpPr>
         <p:spPr>
           <a:xfrm>
-            <a:off x="4776818" y="-232"/>
+            <a:off x="4771590" y="-8925"/>
             <a:ext cx="4547728" cy="2912738"/>
           </a:xfrm>
           <a:prstGeom prst="rect">
@@ -4284,8 +4338,8 @@
         </p:nvSpPr>
         <p:spPr>
           <a:xfrm>
-            <a:off x="3279081" y="60929"/>
-            <a:ext cx="2282228" cy="707886"/>
+            <a:off x="3256896" y="60929"/>
+            <a:ext cx="2326599" cy="477054"/>
           </a:xfrm>
           <a:prstGeom prst="rect">
             <a:avLst/>
@@ -4300,15 +4354,8 @@
           <a:p>
             <a:pPr algn="ctr"/>
             <a:r>
-              <a:rPr lang="en-US" sz="1400" dirty="0"/>
+              <a:rPr lang="en-US" sz="1400" b="1" dirty="0"/>
               <a:t>Microoperations (Micro-ops)</a:t>
-            </a:r>
-          </a:p>
-          <a:p>
-            <a:pPr algn="ctr"/>
-            <a:r>
-              <a:rPr lang="en-US" sz="1400" dirty="0"/>
-              <a:t>/ *Machine Codes</a:t>
             </a:r>
           </a:p>
           <a:p>
@@ -4474,7 +4521,7 @@
         </p:nvGrpSpPr>
         <p:grpSpPr>
           <a:xfrm>
-            <a:off x="4140640" y="3071387"/>
+            <a:off x="3782203" y="4987216"/>
             <a:ext cx="3992304" cy="1799169"/>
             <a:chOff x="3355865" y="2912506"/>
             <a:chExt cx="3992304" cy="1799169"/>
@@ -4683,60 +4730,6 @@
           </a:p>
         </p:txBody>
       </p:sp>
-      <p:sp>
-        <p:nvSpPr>
-          <p:cNvPr id="3" name="Rectangle 2">
-            <a:extLst>
-              <a:ext uri="{FF2B5EF4-FFF2-40B4-BE49-F238E27FC236}">
-                <a16:creationId xmlns:a16="http://schemas.microsoft.com/office/drawing/2014/main" id="{45DB43C8-8AFB-473B-5A9C-DF963CA50D00}"/>
-              </a:ext>
-            </a:extLst>
-          </p:cNvPr>
-          <p:cNvSpPr/>
-          <p:nvPr/>
-        </p:nvSpPr>
-        <p:spPr>
-          <a:xfrm>
-            <a:off x="3355130" y="4842330"/>
-            <a:ext cx="5961863" cy="2015670"/>
-          </a:xfrm>
-          <a:prstGeom prst="rect">
-            <a:avLst/>
-          </a:prstGeom>
-          <a:solidFill>
-            <a:srgbClr val="92D050">
-              <a:alpha val="15000"/>
-            </a:srgbClr>
-          </a:solidFill>
-          <a:ln>
-            <a:noFill/>
-          </a:ln>
-        </p:spPr>
-        <p:style>
-          <a:lnRef idx="2">
-            <a:schemeClr val="accent1">
-              <a:shade val="50000"/>
-            </a:schemeClr>
-          </a:lnRef>
-          <a:fillRef idx="1">
-            <a:schemeClr val="accent1"/>
-          </a:fillRef>
-          <a:effectRef idx="0">
-            <a:schemeClr val="accent1"/>
-          </a:effectRef>
-          <a:fontRef idx="minor">
-            <a:schemeClr val="lt1"/>
-          </a:fontRef>
-        </p:style>
-        <p:txBody>
-          <a:bodyPr rtlCol="0" anchor="ctr"/>
-          <a:lstStyle/>
-          <a:p>
-            <a:pPr algn="ctr"/>
-            <a:endParaRPr lang="en-US" dirty="0"/>
-          </a:p>
-        </p:txBody>
-      </p:sp>
       <p:pic>
         <p:nvPicPr>
           <p:cNvPr id="18" name="Picture 17">
@@ -4759,7 +4752,7 @@
         </p:blipFill>
         <p:spPr>
           <a:xfrm>
-            <a:off x="3615927" y="5153462"/>
+            <a:off x="4022217" y="3271268"/>
             <a:ext cx="4314354" cy="1438118"/>
           </a:xfrm>
           <a:prstGeom prst="rect">
@@ -4797,7 +4790,7 @@
           <a:p>
             <a:pPr algn="ctr"/>
             <a:r>
-              <a:rPr lang="en-US" dirty="0"/>
+              <a:rPr lang="en-US" b="1" dirty="0"/>
               <a:t>Microcode</a:t>
             </a:r>
           </a:p>
@@ -4847,7 +4840,7 @@
           <a:p>
             <a:pPr algn="ctr"/>
             <a:r>
-              <a:rPr lang="en-US" dirty="0"/>
+              <a:rPr lang="en-US" b="1" dirty="0"/>
               <a:t>Control Signals</a:t>
             </a:r>
           </a:p>
@@ -4918,6 +4911,42 @@
           <a:p>
             <a:pPr algn="ctr"/>
             <a:endParaRPr lang="en-US" dirty="0"/>
+          </a:p>
+        </p:txBody>
+      </p:sp>
+      <p:sp>
+        <p:nvSpPr>
+          <p:cNvPr id="19" name="TextBox 18">
+            <a:extLst>
+              <a:ext uri="{FF2B5EF4-FFF2-40B4-BE49-F238E27FC236}">
+                <a16:creationId xmlns:a16="http://schemas.microsoft.com/office/drawing/2014/main" id="{8A922A38-A7E0-99E6-E1EF-F1A6EC9E9BC3}"/>
+              </a:ext>
+            </a:extLst>
+          </p:cNvPr>
+          <p:cNvSpPr txBox="1"/>
+          <p:nvPr/>
+        </p:nvSpPr>
+        <p:spPr>
+          <a:xfrm>
+            <a:off x="3989845" y="2937998"/>
+            <a:ext cx="1321196" cy="307777"/>
+          </a:xfrm>
+          <a:prstGeom prst="rect">
+            <a:avLst/>
+          </a:prstGeom>
+          <a:noFill/>
+        </p:spPr>
+        <p:txBody>
+          <a:bodyPr wrap="none" rtlCol="0">
+            <a:spAutoFit/>
+          </a:bodyPr>
+          <a:lstStyle/>
+          <a:p>
+            <a:pPr algn="ctr"/>
+            <a:r>
+              <a:rPr lang="en-US" sz="1400" b="1" dirty="0"/>
+              <a:t>Machine Codes</a:t>
+            </a:r>
           </a:p>
         </p:txBody>
       </p:sp>
